--- a/Final-Project/ProjectPresentation.pptx
+++ b/Final-Project/ProjectPresentation.pptx
@@ -250,6 +250,11 @@
       </a:defRPr>
     </a:lvl9pPr>
   </p:defaultTextStyle>
+  <p:extLst>
+    <p:ext uri="{EFAFB233-063F-42B5-8137-9DF3F51BA10A}">
+      <p15:sldGuideLst xmlns:p15="http://schemas.microsoft.com/office/powerpoint/2012/main"/>
+    </p:ext>
+  </p:extLst>
 </p:presentation>
 </file>
 
@@ -11567,7 +11572,7 @@
               <a:buChar char="●"/>
             </a:pPr>
             <a:r>
-              <a:rPr lang="en-US" dirty="0">
+              <a:rPr lang="en-US" sz="2800" dirty="0">
                 <a:latin typeface="Arial"/>
                 <a:ea typeface="Arial"/>
                 <a:cs typeface="Arial"/>
@@ -11585,7 +11590,7 @@
               <a:buChar char="●"/>
             </a:pPr>
             <a:r>
-              <a:rPr lang="en-US" sz="2000" dirty="0">
+              <a:rPr lang="en-US" sz="1800" dirty="0">
                 <a:latin typeface="Arial"/>
                 <a:ea typeface="Arial"/>
                 <a:cs typeface="Arial"/>
@@ -11603,7 +11608,7 @@
               <a:buChar char="●"/>
             </a:pPr>
             <a:r>
-              <a:rPr lang="en-US" sz="2000" dirty="0">
+              <a:rPr lang="en-US" sz="1800" dirty="0">
                 <a:latin typeface="Arial"/>
                 <a:ea typeface="Arial"/>
                 <a:cs typeface="Arial"/>
@@ -11611,7 +11616,7 @@
               </a:rPr>
               <a:t>Computer Science and Linguistics double degree</a:t>
             </a:r>
-            <a:endParaRPr sz="2000" dirty="0">
+            <a:endParaRPr sz="1800" dirty="0">
               <a:latin typeface="Arial"/>
               <a:ea typeface="Arial"/>
               <a:cs typeface="Arial"/>
@@ -11939,7 +11944,7 @@
               <a:buChar char="●"/>
             </a:pPr>
             <a:r>
-              <a:rPr lang="en-US" sz="3000" dirty="0"/>
+              <a:rPr lang="en-US" sz="2800" dirty="0"/>
               <a:t>Model the quality of white wine based on 11 characteristics using a sequential network</a:t>
             </a:r>
           </a:p>
@@ -11953,7 +11958,7 @@
               <a:buChar char="●"/>
             </a:pPr>
             <a:r>
-              <a:rPr lang="en-US" sz="3000" dirty="0"/>
+              <a:rPr lang="en-US" sz="2800" dirty="0"/>
               <a:t>Use the model to predict the best way to improve the quality of a novel wine </a:t>
             </a:r>
           </a:p>
@@ -12039,43 +12044,51 @@
           <a:lstStyle/>
           <a:p>
             <a:r>
-              <a:rPr lang="en-US" dirty="0"/>
+              <a:rPr lang="en-US" sz="2800" dirty="0"/>
               <a:t>Data from white variants of the Portuguese “</a:t>
             </a:r>
             <a:r>
-              <a:rPr lang="en-US" dirty="0" err="1"/>
+              <a:rPr lang="en-US" sz="2800" dirty="0" err="1"/>
               <a:t>Vinho</a:t>
             </a:r>
             <a:r>
-              <a:rPr lang="en-US" dirty="0"/>
+              <a:rPr lang="en-US" sz="2800" dirty="0"/>
               <a:t> Verde” wine</a:t>
             </a:r>
           </a:p>
           <a:p>
+            <a:pPr lvl="1"/>
             <a:r>
-              <a:rPr lang="en-US" dirty="0"/>
+              <a:rPr lang="en-US" sz="2200" dirty="0"/>
+              <a:t>Courtesy of P. Cortez et. al.</a:t>
+            </a:r>
+          </a:p>
+          <a:p>
+            <a:r>
+              <a:rPr lang="en-US" sz="2800" dirty="0"/>
               <a:t>11 Attributes (floats)</a:t>
             </a:r>
           </a:p>
           <a:p>
             <a:pPr lvl="1"/>
             <a:r>
-              <a:rPr lang="en-US" dirty="0"/>
+              <a:rPr lang="en-US" sz="2000" dirty="0"/>
               <a:t>Fixed acidity, volatile acidity, citric acid, residual, sugar, chlorides, free sulfur dioxide, total sulfur dioxide, density, pH, sulphates, and alcohol</a:t>
             </a:r>
           </a:p>
           <a:p>
             <a:r>
-              <a:rPr lang="en-US" dirty="0"/>
+              <a:rPr lang="en-US" sz="2800" dirty="0"/>
               <a:t>Label</a:t>
             </a:r>
           </a:p>
           <a:p>
             <a:pPr lvl="1"/>
             <a:r>
-              <a:rPr lang="en-US" dirty="0"/>
+              <a:rPr lang="en-US" sz="2000" dirty="0"/>
               <a:t>Score between 0 and 10</a:t>
             </a:r>
+            <a:endParaRPr lang="en-US" dirty="0"/>
           </a:p>
         </p:txBody>
       </p:sp>
@@ -12159,13 +12172,13 @@
           <a:lstStyle/>
           <a:p>
             <a:r>
-              <a:rPr lang="en-US" dirty="0"/>
+              <a:rPr lang="en-US" sz="2800" dirty="0"/>
               <a:t>Features normalized</a:t>
             </a:r>
           </a:p>
           <a:p>
             <a:r>
-              <a:rPr lang="en-US" dirty="0"/>
+              <a:rPr lang="en-US" sz="2800" dirty="0"/>
               <a:t>Labels normalized on the range [3,9]</a:t>
             </a:r>
           </a:p>
@@ -12251,35 +12264,35 @@
           <a:lstStyle/>
           <a:p>
             <a:r>
-              <a:rPr lang="en-US" dirty="0"/>
+              <a:rPr lang="en-US" sz="2800" dirty="0"/>
               <a:t>Eight layer sequential model</a:t>
             </a:r>
           </a:p>
           <a:p>
             <a:pPr lvl="1"/>
             <a:r>
-              <a:rPr lang="en-US" dirty="0"/>
+              <a:rPr lang="en-US" sz="2000" dirty="0"/>
               <a:t>6 </a:t>
             </a:r>
             <a:r>
-              <a:rPr lang="en-US" dirty="0" err="1"/>
+              <a:rPr lang="en-US" sz="2000" dirty="0" err="1"/>
               <a:t>relu</a:t>
             </a:r>
             <a:r>
-              <a:rPr lang="en-US" dirty="0"/>
+              <a:rPr lang="en-US" sz="2000" dirty="0"/>
               <a:t> activated layers</a:t>
             </a:r>
           </a:p>
           <a:p>
             <a:pPr lvl="1"/>
             <a:r>
-              <a:rPr lang="en-US" dirty="0"/>
+              <a:rPr lang="en-US" sz="2000" dirty="0"/>
               <a:t>2 sigmoid activated layers</a:t>
             </a:r>
           </a:p>
           <a:p>
             <a:r>
-              <a:rPr lang="en-US" dirty="0"/>
+              <a:rPr lang="en-US" sz="2800" dirty="0"/>
               <a:t>Accuracy based on a given range of acceptable values</a:t>
             </a:r>
           </a:p>
@@ -12365,7 +12378,7 @@
           <a:lstStyle/>
           <a:p>
             <a:r>
-              <a:rPr lang="en-US" dirty="0"/>
+              <a:rPr lang="en-US" sz="2800" dirty="0"/>
               <a:t>Predict the maximal improvement to a wine</a:t>
             </a:r>
           </a:p>
@@ -12509,19 +12522,19 @@
           <a:lstStyle/>
           <a:p>
             <a:r>
-              <a:rPr lang="en-US" dirty="0"/>
+              <a:rPr lang="en-US" sz="2800" dirty="0"/>
               <a:t>Testing of various architectures</a:t>
             </a:r>
           </a:p>
           <a:p>
             <a:r>
-              <a:rPr lang="en-US" dirty="0"/>
+              <a:rPr lang="en-US" sz="2800" dirty="0"/>
               <a:t>Categorical versus Hybrid</a:t>
             </a:r>
           </a:p>
           <a:p>
             <a:r>
-              <a:rPr lang="en-US" dirty="0"/>
+              <a:rPr lang="en-US" sz="2800" dirty="0"/>
               <a:t>Accuracy range </a:t>
             </a:r>
           </a:p>
